--- a/presentazione/Minesweeper.pptx
+++ b/presentazione/Minesweeper.pptx
@@ -5,7 +5,7 @@
     <p:sldMasterId id="2147483673" r:id="rId1"/>
   </p:sldMasterIdLst>
   <p:notesMasterIdLst>
-    <p:notesMasterId r:id="rId11"/>
+    <p:notesMasterId r:id="rId12"/>
   </p:notesMasterIdLst>
   <p:sldIdLst>
     <p:sldId id="256" r:id="rId2"/>
@@ -16,36 +16,37 @@
     <p:sldId id="263" r:id="rId7"/>
     <p:sldId id="299" r:id="rId8"/>
     <p:sldId id="300" r:id="rId9"/>
-    <p:sldId id="264" r:id="rId10"/>
+    <p:sldId id="301" r:id="rId10"/>
+    <p:sldId id="264" r:id="rId11"/>
   </p:sldIdLst>
   <p:sldSz cx="9144000" cy="5143500" type="screen16x9"/>
   <p:notesSz cx="6858000" cy="9144000"/>
   <p:embeddedFontLst>
     <p:embeddedFont>
       <p:font typeface="Epilogue" panose="020B0604020202020204" charset="0"/>
-      <p:regular r:id="rId12"/>
-      <p:bold r:id="rId13"/>
-      <p:italic r:id="rId14"/>
-      <p:boldItalic r:id="rId15"/>
+      <p:regular r:id="rId13"/>
+      <p:bold r:id="rId14"/>
+      <p:italic r:id="rId15"/>
+      <p:boldItalic r:id="rId16"/>
     </p:embeddedFont>
     <p:embeddedFont>
       <p:font typeface="Lato" panose="020F0502020204030203" pitchFamily="34" charset="0"/>
-      <p:regular r:id="rId16"/>
-      <p:bold r:id="rId17"/>
-      <p:italic r:id="rId18"/>
-      <p:boldItalic r:id="rId19"/>
+      <p:regular r:id="rId17"/>
+      <p:bold r:id="rId18"/>
+      <p:italic r:id="rId19"/>
+      <p:boldItalic r:id="rId20"/>
     </p:embeddedFont>
     <p:embeddedFont>
       <p:font typeface="Nunito Light" pitchFamily="2" charset="0"/>
-      <p:regular r:id="rId20"/>
-      <p:italic r:id="rId21"/>
+      <p:regular r:id="rId21"/>
+      <p:italic r:id="rId22"/>
     </p:embeddedFont>
     <p:embeddedFont>
       <p:font typeface="Raleway" pitchFamily="2" charset="0"/>
-      <p:regular r:id="rId22"/>
-      <p:bold r:id="rId23"/>
-      <p:italic r:id="rId24"/>
-      <p:boldItalic r:id="rId25"/>
+      <p:regular r:id="rId23"/>
+      <p:bold r:id="rId24"/>
+      <p:italic r:id="rId25"/>
+      <p:boldItalic r:id="rId26"/>
     </p:embeddedFont>
   </p:embeddedFontLst>
   <p:defaultTextStyle>
@@ -277,6 +278,11 @@
       </a:defRPr>
     </a:lvl9pPr>
   </p:defaultTextStyle>
+  <p:extLst>
+    <p:ext uri="{EFAFB233-063F-42B5-8137-9DF3F51BA10A}">
+      <p15:sldGuideLst xmlns:p15="http://schemas.microsoft.com/office/powerpoint/2012/main"/>
+    </p:ext>
+  </p:extLst>
 </p:presentation>
 </file>
 
@@ -825,6 +831,110 @@
 </p:notes>
 </file>
 
+<file path=ppt/notesSlides/notesSlide10.xml><?xml version="1.0" encoding="utf-8"?>
+<p:notes xmlns:a="http://schemas.openxmlformats.org/drawingml/2006/main" xmlns:r="http://schemas.openxmlformats.org/officeDocument/2006/relationships" xmlns:p="http://schemas.openxmlformats.org/presentationml/2006/main" showMasterSp="0" showMasterPhAnim="0">
+  <p:cSld>
+    <p:spTree>
+      <p:nvGrpSpPr>
+        <p:cNvPr id="1" name="Shape 1141"/>
+        <p:cNvGrpSpPr/>
+        <p:nvPr/>
+      </p:nvGrpSpPr>
+      <p:grpSpPr>
+        <a:xfrm>
+          <a:off x="0" y="0"/>
+          <a:ext cx="0" cy="0"/>
+          <a:chOff x="0" y="0"/>
+          <a:chExt cx="0" cy="0"/>
+        </a:xfrm>
+      </p:grpSpPr>
+      <p:sp>
+        <p:nvSpPr>
+          <p:cNvPr id="1142" name="Google Shape;1142;g184d99d1a72_0_57:notes"/>
+          <p:cNvSpPr>
+            <a:spLocks noGrp="1" noRot="1" noChangeAspect="1"/>
+          </p:cNvSpPr>
+          <p:nvPr>
+            <p:ph type="sldImg" idx="2"/>
+          </p:nvPr>
+        </p:nvSpPr>
+        <p:spPr>
+          <a:xfrm>
+            <a:off x="381000" y="685800"/>
+            <a:ext cx="6096000" cy="3429000"/>
+          </a:xfrm>
+          <a:custGeom>
+            <a:avLst/>
+            <a:gdLst/>
+            <a:ahLst/>
+            <a:cxnLst/>
+            <a:rect l="l" t="t" r="r" b="b"/>
+            <a:pathLst>
+              <a:path w="120000" h="120000" extrusionOk="0">
+                <a:moveTo>
+                  <a:pt x="0" y="0"/>
+                </a:moveTo>
+                <a:lnTo>
+                  <a:pt x="120000" y="0"/>
+                </a:lnTo>
+                <a:lnTo>
+                  <a:pt x="120000" y="120000"/>
+                </a:lnTo>
+                <a:lnTo>
+                  <a:pt x="0" y="120000"/>
+                </a:lnTo>
+                <a:close/>
+              </a:path>
+            </a:pathLst>
+          </a:custGeom>
+        </p:spPr>
+      </p:sp>
+      <p:sp>
+        <p:nvSpPr>
+          <p:cNvPr id="1143" name="Google Shape;1143;g184d99d1a72_0_57:notes"/>
+          <p:cNvSpPr txBox="1">
+            <a:spLocks noGrp="1"/>
+          </p:cNvSpPr>
+          <p:nvPr>
+            <p:ph type="body" idx="1"/>
+          </p:nvPr>
+        </p:nvSpPr>
+        <p:spPr>
+          <a:xfrm>
+            <a:off x="685800" y="4343400"/>
+            <a:ext cx="5486400" cy="4114800"/>
+          </a:xfrm>
+          <a:prstGeom prst="rect">
+            <a:avLst/>
+          </a:prstGeom>
+        </p:spPr>
+        <p:txBody>
+          <a:bodyPr spcFirstLastPara="1" wrap="square" lIns="91425" tIns="91425" rIns="91425" bIns="91425" anchor="t" anchorCtr="0">
+            <a:noAutofit/>
+          </a:bodyPr>
+          <a:lstStyle/>
+          <a:p>
+            <a:pPr marL="0" lvl="0" indent="0" algn="l" rtl="0">
+              <a:spcBef>
+                <a:spcPts val="0"/>
+              </a:spcBef>
+              <a:spcAft>
+                <a:spcPts val="0"/>
+              </a:spcAft>
+              <a:buNone/>
+            </a:pPr>
+            <a:endParaRPr/>
+          </a:p>
+        </p:txBody>
+      </p:sp>
+    </p:spTree>
+  </p:cSld>
+  <p:clrMapOvr>
+    <a:masterClrMapping/>
+  </p:clrMapOvr>
+</p:notes>
+</file>
+
 <file path=ppt/notesSlides/notesSlide2.xml><?xml version="1.0" encoding="utf-8"?>
 <p:notes xmlns:a="http://schemas.openxmlformats.org/drawingml/2006/main" xmlns:r="http://schemas.openxmlformats.org/officeDocument/2006/relationships" xmlns:p="http://schemas.openxmlformats.org/presentationml/2006/main" showMasterSp="0" showMasterPhAnim="0">
   <p:cSld>
@@ -1650,7 +1760,13 @@
   <p:cSld>
     <p:spTree>
       <p:nvGrpSpPr>
-        <p:cNvPr id="1" name="Shape 1141"/>
+        <p:cNvPr id="1" name="Shape 962">
+          <a:extLst>
+            <a:ext uri="{FF2B5EF4-FFF2-40B4-BE49-F238E27FC236}">
+              <a16:creationId xmlns:a16="http://schemas.microsoft.com/office/drawing/2014/main" id="{B0D3D46D-7DA8-06EF-797D-BFF9DDA23E13}"/>
+            </a:ext>
+          </a:extLst>
+        </p:cNvPr>
         <p:cNvGrpSpPr/>
         <p:nvPr/>
       </p:nvGrpSpPr>
@@ -1664,7 +1780,13 @@
       </p:grpSpPr>
       <p:sp>
         <p:nvSpPr>
-          <p:cNvPr id="1142" name="Google Shape;1142;g184d99d1a72_0_57:notes"/>
+          <p:cNvPr id="963" name="Google Shape;963;g54dda1946d_6_322:notes">
+            <a:extLst>
+              <a:ext uri="{FF2B5EF4-FFF2-40B4-BE49-F238E27FC236}">
+                <a16:creationId xmlns:a16="http://schemas.microsoft.com/office/drawing/2014/main" id="{1CF5277E-FFD2-40EA-F22B-3953FE6158B1}"/>
+              </a:ext>
+            </a:extLst>
+          </p:cNvPr>
           <p:cNvSpPr>
             <a:spLocks noGrp="1" noRot="1" noChangeAspect="1"/>
           </p:cNvSpPr>
@@ -1705,7 +1827,13 @@
       </p:sp>
       <p:sp>
         <p:nvSpPr>
-          <p:cNvPr id="1143" name="Google Shape;1143;g184d99d1a72_0_57:notes"/>
+          <p:cNvPr id="964" name="Google Shape;964;g54dda1946d_6_322:notes">
+            <a:extLst>
+              <a:ext uri="{FF2B5EF4-FFF2-40B4-BE49-F238E27FC236}">
+                <a16:creationId xmlns:a16="http://schemas.microsoft.com/office/drawing/2014/main" id="{747DE9F5-4EFE-4E08-F8EE-39A224EE24DF}"/>
+              </a:ext>
+            </a:extLst>
+          </p:cNvPr>
           <p:cNvSpPr txBox="1">
             <a:spLocks noGrp="1"/>
           </p:cNvSpPr>
@@ -1742,6 +1870,11 @@
         </p:txBody>
       </p:sp>
     </p:spTree>
+    <p:extLst>
+      <p:ext uri="{BB962C8B-B14F-4D97-AF65-F5344CB8AC3E}">
+        <p14:creationId xmlns:p14="http://schemas.microsoft.com/office/powerpoint/2010/main" val="4029609089"/>
+      </p:ext>
+    </p:extLst>
   </p:cSld>
   <p:clrMapOvr>
     <a:masterClrMapping/>
@@ -33785,6 +33918,485 @@
 </p:sld>
 </file>
 
+<file path=ppt/slides/slide10.xml><?xml version="1.0" encoding="utf-8"?>
+<p:sld xmlns:a="http://schemas.openxmlformats.org/drawingml/2006/main" xmlns:r="http://schemas.openxmlformats.org/officeDocument/2006/relationships" xmlns:p="http://schemas.openxmlformats.org/presentationml/2006/main">
+  <p:cSld>
+    <p:spTree>
+      <p:nvGrpSpPr>
+        <p:cNvPr id="1" name="Shape 1144"/>
+        <p:cNvGrpSpPr/>
+        <p:nvPr/>
+      </p:nvGrpSpPr>
+      <p:grpSpPr>
+        <a:xfrm>
+          <a:off x="0" y="0"/>
+          <a:ext cx="0" cy="0"/>
+          <a:chOff x="0" y="0"/>
+          <a:chExt cx="0" cy="0"/>
+        </a:xfrm>
+      </p:grpSpPr>
+      <p:sp>
+        <p:nvSpPr>
+          <p:cNvPr id="1145" name="Google Shape;1145;p36"/>
+          <p:cNvSpPr txBox="1">
+            <a:spLocks noGrp="1"/>
+          </p:cNvSpPr>
+          <p:nvPr>
+            <p:ph type="subTitle" idx="6"/>
+          </p:nvPr>
+        </p:nvSpPr>
+        <p:spPr>
+          <a:xfrm>
+            <a:off x="1141712" y="2970964"/>
+            <a:ext cx="7467029" cy="697800"/>
+          </a:xfrm>
+          <a:prstGeom prst="rect">
+            <a:avLst/>
+          </a:prstGeom>
+        </p:spPr>
+        <p:txBody>
+          <a:bodyPr spcFirstLastPara="1" wrap="square" lIns="91425" tIns="91425" rIns="91425" bIns="91425" anchor="b" anchorCtr="0">
+            <a:noAutofit/>
+          </a:bodyPr>
+          <a:lstStyle/>
+          <a:p>
+            <a:r>
+              <a:rPr lang="it-IT" sz="1400" dirty="0"/>
+              <a:t>Entrambi implementano correttamente le meccaniche fondamentali del Campo Minato, ma:</a:t>
+            </a:r>
+          </a:p>
+        </p:txBody>
+      </p:sp>
+      <p:sp>
+        <p:nvSpPr>
+          <p:cNvPr id="1146" name="Google Shape;1146;p36"/>
+          <p:cNvSpPr txBox="1">
+            <a:spLocks noGrp="1"/>
+          </p:cNvSpPr>
+          <p:nvPr>
+            <p:ph type="title"/>
+          </p:nvPr>
+        </p:nvSpPr>
+        <p:spPr>
+          <a:xfrm>
+            <a:off x="720000" y="445025"/>
+            <a:ext cx="7704000" cy="572700"/>
+          </a:xfrm>
+          <a:prstGeom prst="rect">
+            <a:avLst/>
+          </a:prstGeom>
+        </p:spPr>
+        <p:txBody>
+          <a:bodyPr spcFirstLastPara="1" wrap="square" lIns="91425" tIns="91425" rIns="91425" bIns="91425" anchor="t" anchorCtr="0">
+            <a:noAutofit/>
+          </a:bodyPr>
+          <a:lstStyle/>
+          <a:p>
+            <a:pPr marL="0" lvl="0" indent="0" algn="l" rtl="0">
+              <a:spcBef>
+                <a:spcPts val="0"/>
+              </a:spcBef>
+              <a:spcAft>
+                <a:spcPts val="0"/>
+              </a:spcAft>
+              <a:buNone/>
+            </a:pPr>
+            <a:r>
+              <a:rPr lang="en" dirty="0"/>
+              <a:t>Conclusioni</a:t>
+            </a:r>
+            <a:endParaRPr dirty="0"/>
+          </a:p>
+        </p:txBody>
+      </p:sp>
+      <p:sp>
+        <p:nvSpPr>
+          <p:cNvPr id="1147" name="Google Shape;1147;p36"/>
+          <p:cNvSpPr txBox="1">
+            <a:spLocks noGrp="1"/>
+          </p:cNvSpPr>
+          <p:nvPr>
+            <p:ph type="subTitle" idx="1"/>
+          </p:nvPr>
+        </p:nvSpPr>
+        <p:spPr>
+          <a:xfrm>
+            <a:off x="1253225" y="2053700"/>
+            <a:ext cx="2811000" cy="1038600"/>
+          </a:xfrm>
+          <a:prstGeom prst="rect">
+            <a:avLst/>
+          </a:prstGeom>
+        </p:spPr>
+        <p:txBody>
+          <a:bodyPr spcFirstLastPara="1" wrap="square" lIns="91425" tIns="91425" rIns="91425" bIns="91425" anchor="t" anchorCtr="0">
+            <a:noAutofit/>
+          </a:bodyPr>
+          <a:lstStyle/>
+          <a:p>
+            <a:pPr marL="171450" lvl="0" indent="-171450" eaLnBrk="0" fontAlgn="base" hangingPunct="0">
+              <a:spcBef>
+                <a:spcPct val="0"/>
+              </a:spcBef>
+              <a:spcAft>
+                <a:spcPct val="0"/>
+              </a:spcAft>
+              <a:buClrTx/>
+              <a:buSzTx/>
+              <a:buFont typeface="Courier New" panose="02070309020205020404" pitchFamily="49" charset="0"/>
+              <a:buChar char="o"/>
+            </a:pPr>
+            <a:r>
+              <a:rPr lang="it-IT" altLang="it-IT" dirty="0">
+                <a:solidFill>
+                  <a:schemeClr val="tx1"/>
+                </a:solidFill>
+                <a:latin typeface="Arial" panose="020B0604020202020204" pitchFamily="34" charset="0"/>
+              </a:rPr>
+              <a:t>Più moderno ed elegante</a:t>
+            </a:r>
+          </a:p>
+          <a:p>
+            <a:pPr marL="171450" lvl="0" indent="-171450" eaLnBrk="0" fontAlgn="base" hangingPunct="0">
+              <a:spcBef>
+                <a:spcPct val="0"/>
+              </a:spcBef>
+              <a:spcAft>
+                <a:spcPct val="0"/>
+              </a:spcAft>
+              <a:buClrTx/>
+              <a:buSzTx/>
+              <a:buFont typeface="Courier New" panose="02070309020205020404" pitchFamily="49" charset="0"/>
+              <a:buChar char="o"/>
+            </a:pPr>
+            <a:r>
+              <a:rPr lang="it-IT" altLang="it-IT" dirty="0">
+                <a:solidFill>
+                  <a:schemeClr val="tx1"/>
+                </a:solidFill>
+                <a:latin typeface="Arial" panose="020B0604020202020204" pitchFamily="34" charset="0"/>
+              </a:rPr>
+              <a:t>Codice compatto e leggibile</a:t>
+            </a:r>
+          </a:p>
+          <a:p>
+            <a:pPr marL="171450" lvl="0" indent="-171450" eaLnBrk="0" fontAlgn="base" hangingPunct="0">
+              <a:spcBef>
+                <a:spcPct val="0"/>
+              </a:spcBef>
+              <a:spcAft>
+                <a:spcPct val="0"/>
+              </a:spcAft>
+              <a:buClrTx/>
+              <a:buSzTx/>
+              <a:buFont typeface="Courier New" panose="02070309020205020404" pitchFamily="49" charset="0"/>
+              <a:buChar char="o"/>
+            </a:pPr>
+            <a:r>
+              <a:rPr lang="it-IT" altLang="it-IT" dirty="0">
+                <a:solidFill>
+                  <a:schemeClr val="tx1"/>
+                </a:solidFill>
+                <a:latin typeface="Arial" panose="020B0604020202020204" pitchFamily="34" charset="0"/>
+              </a:rPr>
+              <a:t>Ideale per dimostrare uso di CSS </a:t>
+            </a:r>
+            <a:r>
+              <a:rPr lang="it-IT" altLang="it-IT" dirty="0" err="1">
+                <a:solidFill>
+                  <a:schemeClr val="tx1"/>
+                </a:solidFill>
+                <a:latin typeface="Arial" panose="020B0604020202020204" pitchFamily="34" charset="0"/>
+              </a:rPr>
+              <a:t>Grid</a:t>
+            </a:r>
+            <a:r>
+              <a:rPr lang="it-IT" altLang="it-IT" dirty="0">
+                <a:solidFill>
+                  <a:schemeClr val="tx1"/>
+                </a:solidFill>
+                <a:latin typeface="Arial" panose="020B0604020202020204" pitchFamily="34" charset="0"/>
+              </a:rPr>
+              <a:t> e strutture dati semplificate</a:t>
+            </a:r>
+          </a:p>
+        </p:txBody>
+      </p:sp>
+      <p:sp>
+        <p:nvSpPr>
+          <p:cNvPr id="1149" name="Google Shape;1149;p36"/>
+          <p:cNvSpPr txBox="1">
+            <a:spLocks noGrp="1"/>
+          </p:cNvSpPr>
+          <p:nvPr>
+            <p:ph type="subTitle" idx="3"/>
+          </p:nvPr>
+        </p:nvSpPr>
+        <p:spPr>
+          <a:xfrm>
+            <a:off x="2621107" y="3801961"/>
+            <a:ext cx="4508239" cy="1038600"/>
+          </a:xfrm>
+          <a:prstGeom prst="rect">
+            <a:avLst/>
+          </a:prstGeom>
+        </p:spPr>
+        <p:txBody>
+          <a:bodyPr spcFirstLastPara="1" wrap="square" lIns="91425" tIns="91425" rIns="91425" bIns="91425" anchor="t" anchorCtr="0">
+            <a:noAutofit/>
+          </a:bodyPr>
+          <a:lstStyle/>
+          <a:p>
+            <a:pPr>
+              <a:buFont typeface="Courier New" panose="02070309020205020404" pitchFamily="49" charset="0"/>
+              <a:buChar char="o"/>
+            </a:pPr>
+            <a:r>
+              <a:rPr lang="it-IT" b="1" dirty="0"/>
+              <a:t>AI privilegia semplicità e pulizia del codice</a:t>
+            </a:r>
+          </a:p>
+          <a:p>
+            <a:pPr>
+              <a:buFont typeface="Courier New" panose="02070309020205020404" pitchFamily="49" charset="0"/>
+              <a:buChar char="o"/>
+            </a:pPr>
+            <a:r>
+              <a:rPr lang="it-IT" b="1" dirty="0" err="1"/>
+              <a:t>Not_AI</a:t>
+            </a:r>
+            <a:r>
+              <a:rPr lang="it-IT" b="1" dirty="0"/>
+              <a:t> punta su completezza e flessibilità per l’utente</a:t>
+            </a:r>
+          </a:p>
+        </p:txBody>
+      </p:sp>
+      <p:sp>
+        <p:nvSpPr>
+          <p:cNvPr id="1151" name="Google Shape;1151;p36"/>
+          <p:cNvSpPr txBox="1">
+            <a:spLocks noGrp="1"/>
+          </p:cNvSpPr>
+          <p:nvPr>
+            <p:ph type="subTitle" idx="5"/>
+          </p:nvPr>
+        </p:nvSpPr>
+        <p:spPr>
+          <a:xfrm>
+            <a:off x="1253225" y="1363500"/>
+            <a:ext cx="2811000" cy="697800"/>
+          </a:xfrm>
+          <a:prstGeom prst="rect">
+            <a:avLst/>
+          </a:prstGeom>
+        </p:spPr>
+        <p:txBody>
+          <a:bodyPr spcFirstLastPara="1" wrap="square" lIns="91425" tIns="91425" rIns="91425" bIns="91425" anchor="b" anchorCtr="0">
+            <a:noAutofit/>
+          </a:bodyPr>
+          <a:lstStyle/>
+          <a:p>
+            <a:pPr marL="0" lvl="0" indent="0"/>
+            <a:r>
+              <a:rPr lang="it-IT" dirty="0"/>
+              <a:t>Progetto AI</a:t>
+            </a:r>
+            <a:endParaRPr dirty="0"/>
+          </a:p>
+        </p:txBody>
+      </p:sp>
+      <p:sp>
+        <p:nvSpPr>
+          <p:cNvPr id="1152" name="Google Shape;1152;p36"/>
+          <p:cNvSpPr txBox="1">
+            <a:spLocks noGrp="1"/>
+          </p:cNvSpPr>
+          <p:nvPr>
+            <p:ph type="subTitle" idx="7"/>
+          </p:nvPr>
+        </p:nvSpPr>
+        <p:spPr>
+          <a:xfrm>
+            <a:off x="5079750" y="1363500"/>
+            <a:ext cx="2811000" cy="697800"/>
+          </a:xfrm>
+          <a:prstGeom prst="rect">
+            <a:avLst/>
+          </a:prstGeom>
+        </p:spPr>
+        <p:txBody>
+          <a:bodyPr spcFirstLastPara="1" wrap="square" lIns="91425" tIns="91425" rIns="91425" bIns="91425" anchor="b" anchorCtr="0">
+            <a:noAutofit/>
+          </a:bodyPr>
+          <a:lstStyle/>
+          <a:p>
+            <a:pPr marL="0" lvl="0" indent="0"/>
+            <a:r>
+              <a:rPr lang="it-IT" dirty="0"/>
+              <a:t>Progetto non AI</a:t>
+            </a:r>
+            <a:endParaRPr dirty="0"/>
+          </a:p>
+        </p:txBody>
+      </p:sp>
+      <p:sp>
+        <p:nvSpPr>
+          <p:cNvPr id="3" name="Rectangle 2">
+            <a:extLst>
+              <a:ext uri="{FF2B5EF4-FFF2-40B4-BE49-F238E27FC236}">
+                <a16:creationId xmlns:a16="http://schemas.microsoft.com/office/drawing/2014/main" id="{65D7C70D-A9B8-E8C5-AD4B-AB6A43587D78}"/>
+              </a:ext>
+            </a:extLst>
+          </p:cNvPr>
+          <p:cNvSpPr>
+            <a:spLocks noGrp="1" noChangeArrowheads="1"/>
+          </p:cNvSpPr>
+          <p:nvPr>
+            <p:ph type="subTitle" idx="2"/>
+          </p:nvPr>
+        </p:nvSpPr>
+        <p:spPr bwMode="auto">
+          <a:xfrm>
+            <a:off x="5080000" y="2157839"/>
+            <a:ext cx="2986049" cy="830997"/>
+          </a:xfrm>
+          <a:prstGeom prst="rect">
+            <a:avLst/>
+          </a:prstGeom>
+          <a:noFill/>
+          <a:ln>
+            <a:noFill/>
+          </a:ln>
+          <a:effectLst/>
+          <a:extLst>
+            <a:ext uri="{909E8E84-426E-40DD-AFC4-6F175D3DCCD1}">
+              <a14:hiddenFill xmlns:a14="http://schemas.microsoft.com/office/drawing/2010/main">
+                <a:solidFill>
+                  <a:schemeClr val="accent1"/>
+                </a:solidFill>
+              </a14:hiddenFill>
+            </a:ext>
+            <a:ext uri="{91240B29-F687-4F45-9708-019B960494DF}">
+              <a14:hiddenLine xmlns:a14="http://schemas.microsoft.com/office/drawing/2010/main" w="9525">
+                <a:solidFill>
+                  <a:schemeClr val="tx1"/>
+                </a:solidFill>
+                <a:miter lim="800000"/>
+                <a:headEnd/>
+                <a:tailEnd/>
+              </a14:hiddenLine>
+            </a:ext>
+            <a:ext uri="{AF507438-7753-43E0-B8FC-AC1667EBCBE1}">
+              <a14:hiddenEffects xmlns:a14="http://schemas.microsoft.com/office/drawing/2010/main">
+                <a:effectLst>
+                  <a:outerShdw dist="35921" dir="2700000" algn="ctr" rotWithShape="0">
+                    <a:schemeClr val="bg2"/>
+                  </a:outerShdw>
+                </a:effectLst>
+              </a14:hiddenEffects>
+            </a:ext>
+          </a:extLst>
+        </p:spPr>
+        <p:txBody>
+          <a:bodyPr vert="horz" wrap="square" lIns="91440" tIns="45720" rIns="91440" bIns="45720" numCol="1" anchor="ctr" anchorCtr="0" compatLnSpc="1">
+            <a:prstTxWarp prst="textNoShape">
+              <a:avLst/>
+            </a:prstTxWarp>
+            <a:spAutoFit/>
+          </a:bodyPr>
+          <a:lstStyle/>
+          <a:p>
+            <a:pPr marL="171450" marR="0" lvl="0" indent="-171450" algn="l" defTabSz="914400" rtl="0" eaLnBrk="0" fontAlgn="base" latinLnBrk="0" hangingPunct="0">
+              <a:lnSpc>
+                <a:spcPct val="100000"/>
+              </a:lnSpc>
+              <a:spcBef>
+                <a:spcPct val="0"/>
+              </a:spcBef>
+              <a:spcAft>
+                <a:spcPct val="0"/>
+              </a:spcAft>
+              <a:buClrTx/>
+              <a:buSzTx/>
+              <a:buFont typeface="Courier New" panose="02070309020205020404" pitchFamily="49" charset="0"/>
+              <a:buChar char="o"/>
+              <a:tabLst/>
+            </a:pPr>
+            <a:r>
+              <a:rPr lang="it-IT" altLang="it-IT" dirty="0">
+                <a:solidFill>
+                  <a:schemeClr val="tx1"/>
+                </a:solidFill>
+                <a:latin typeface="Arial" panose="020B0604020202020204" pitchFamily="34" charset="0"/>
+              </a:rPr>
+              <a:t>Più ricco di funzionalità</a:t>
+            </a:r>
+          </a:p>
+          <a:p>
+            <a:pPr marL="171450" marR="0" lvl="0" indent="-171450" algn="l" defTabSz="914400" rtl="0" eaLnBrk="0" fontAlgn="base" latinLnBrk="0" hangingPunct="0">
+              <a:lnSpc>
+                <a:spcPct val="100000"/>
+              </a:lnSpc>
+              <a:spcBef>
+                <a:spcPct val="0"/>
+              </a:spcBef>
+              <a:spcAft>
+                <a:spcPct val="0"/>
+              </a:spcAft>
+              <a:buClrTx/>
+              <a:buSzTx/>
+              <a:buFont typeface="Courier New" panose="02070309020205020404" pitchFamily="49" charset="0"/>
+              <a:buChar char="o"/>
+              <a:tabLst/>
+            </a:pPr>
+            <a:r>
+              <a:rPr lang="it-IT" altLang="it-IT" dirty="0">
+                <a:solidFill>
+                  <a:schemeClr val="tx1"/>
+                </a:solidFill>
+                <a:latin typeface="Arial" panose="020B0604020202020204" pitchFamily="34" charset="0"/>
+              </a:rPr>
+              <a:t>Maggiore controllo sul flusso di gioco</a:t>
+            </a:r>
+          </a:p>
+          <a:p>
+            <a:pPr marL="171450" marR="0" lvl="0" indent="-171450" algn="l" defTabSz="914400" rtl="0" eaLnBrk="0" fontAlgn="base" latinLnBrk="0" hangingPunct="0">
+              <a:lnSpc>
+                <a:spcPct val="100000"/>
+              </a:lnSpc>
+              <a:spcBef>
+                <a:spcPct val="0"/>
+              </a:spcBef>
+              <a:spcAft>
+                <a:spcPct val="0"/>
+              </a:spcAft>
+              <a:buClrTx/>
+              <a:buSzTx/>
+              <a:buFont typeface="Courier New" panose="02070309020205020404" pitchFamily="49" charset="0"/>
+              <a:buChar char="o"/>
+              <a:tabLst/>
+            </a:pPr>
+            <a:r>
+              <a:rPr lang="it-IT" altLang="it-IT" dirty="0">
+                <a:solidFill>
+                  <a:schemeClr val="tx1"/>
+                </a:solidFill>
+                <a:latin typeface="Arial" panose="020B0604020202020204" pitchFamily="34" charset="0"/>
+              </a:rPr>
+              <a:t>Offre personalizzazione e strumenti di analisi post-partita</a:t>
+            </a:r>
+          </a:p>
+        </p:txBody>
+      </p:sp>
+    </p:spTree>
+  </p:cSld>
+  <p:clrMapOvr>
+    <a:masterClrMapping/>
+  </p:clrMapOvr>
+</p:sld>
+</file>
+
 <file path=ppt/slides/slide2.xml><?xml version="1.0" encoding="utf-8"?>
 <p:sld xmlns:a="http://schemas.openxmlformats.org/drawingml/2006/main" xmlns:r="http://schemas.openxmlformats.org/officeDocument/2006/relationships" xmlns:p="http://schemas.openxmlformats.org/presentationml/2006/main">
   <p:cSld>
@@ -40741,14 +41353,14 @@
           <p:nvPr>
             <p:extLst>
               <p:ext uri="{D42A27DB-BD31-4B8C-83A1-F6EECF244321}">
-                <p14:modId xmlns:p14="http://schemas.microsoft.com/office/powerpoint/2010/main" val="810715815"/>
+                <p14:modId xmlns:p14="http://schemas.microsoft.com/office/powerpoint/2010/main" val="400492008"/>
               </p:ext>
             </p:extLst>
           </p:nvPr>
         </p:nvGraphicFramePr>
         <p:xfrm>
-          <a:off x="765717" y="1898100"/>
-          <a:ext cx="7747271" cy="2438400"/>
+          <a:off x="690931" y="1898100"/>
+          <a:ext cx="7762139" cy="2438400"/>
         </p:xfrm>
         <a:graphic>
           <a:graphicData uri="http://schemas.openxmlformats.org/drawingml/2006/table">
@@ -40757,7 +41369,7 @@
                 <a:tableStyleId>{B6699BD7-AA78-46ED-8191-094A0AEC90C4}</a:tableStyleId>
               </a:tblPr>
               <a:tblGrid>
-                <a:gridCol w="2601655">
+                <a:gridCol w="2616523">
                   <a:extLst>
                     <a:ext uri="{9D8B030D-6E8A-4147-A177-3AD203B41FA5}">
                       <a16:colId xmlns:a16="http://schemas.microsoft.com/office/drawing/2014/main" val="1264859766"/>
@@ -42178,7 +42790,13 @@
   <p:cSld>
     <p:spTree>
       <p:nvGrpSpPr>
-        <p:cNvPr id="1" name="Shape 1144"/>
+        <p:cNvPr id="1" name="Shape 965">
+          <a:extLst>
+            <a:ext uri="{FF2B5EF4-FFF2-40B4-BE49-F238E27FC236}">
+              <a16:creationId xmlns:a16="http://schemas.microsoft.com/office/drawing/2014/main" id="{BE11BB02-8C9F-9B4A-2A66-618BD394ED45}"/>
+            </a:ext>
+          </a:extLst>
+        </p:cNvPr>
         <p:cNvGrpSpPr/>
         <p:nvPr/>
       </p:nvGrpSpPr>
@@ -42192,18 +42810,24 @@
       </p:grpSpPr>
       <p:sp>
         <p:nvSpPr>
-          <p:cNvPr id="1145" name="Google Shape;1145;p36"/>
+          <p:cNvPr id="967" name="Google Shape;967;p31">
+            <a:extLst>
+              <a:ext uri="{FF2B5EF4-FFF2-40B4-BE49-F238E27FC236}">
+                <a16:creationId xmlns:a16="http://schemas.microsoft.com/office/drawing/2014/main" id="{C3AB9B85-D498-99E4-00D0-099005595D20}"/>
+              </a:ext>
+            </a:extLst>
+          </p:cNvPr>
           <p:cNvSpPr txBox="1">
             <a:spLocks noGrp="1"/>
           </p:cNvSpPr>
           <p:nvPr>
-            <p:ph type="subTitle" idx="6"/>
+            <p:ph type="title"/>
           </p:nvPr>
         </p:nvSpPr>
         <p:spPr>
           <a:xfrm>
-            <a:off x="1141712" y="2970964"/>
-            <a:ext cx="7467029" cy="697800"/>
+            <a:off x="1070785" y="414226"/>
+            <a:ext cx="5211070" cy="1006800"/>
           </a:xfrm>
           <a:prstGeom prst="rect">
             <a:avLst/>
@@ -42216,435 +42840,856 @@
           <a:lstStyle/>
           <a:p>
             <a:r>
-              <a:rPr lang="it-IT" sz="1400" dirty="0"/>
-              <a:t>Entrambi implementano correttamente le meccaniche fondamentali del Campo Minato, ma:</a:t>
+              <a:rPr lang="it-IT" dirty="0"/>
+              <a:t>Differenze principali nei metodi</a:t>
             </a:r>
           </a:p>
         </p:txBody>
       </p:sp>
-      <p:sp>
-        <p:nvSpPr>
-          <p:cNvPr id="1146" name="Google Shape;1146;p36"/>
-          <p:cNvSpPr txBox="1">
-            <a:spLocks noGrp="1"/>
-          </p:cNvSpPr>
-          <p:nvPr>
-            <p:ph type="title"/>
-          </p:nvPr>
-        </p:nvSpPr>
-        <p:spPr>
-          <a:xfrm>
-            <a:off x="720000" y="445025"/>
-            <a:ext cx="7704000" cy="572700"/>
-          </a:xfrm>
-          <a:prstGeom prst="rect">
-            <a:avLst/>
-          </a:prstGeom>
-        </p:spPr>
-        <p:txBody>
-          <a:bodyPr spcFirstLastPara="1" wrap="square" lIns="91425" tIns="91425" rIns="91425" bIns="91425" anchor="t" anchorCtr="0">
-            <a:noAutofit/>
-          </a:bodyPr>
-          <a:lstStyle/>
-          <a:p>
-            <a:pPr marL="0" lvl="0" indent="0" algn="l" rtl="0">
-              <a:spcBef>
-                <a:spcPts val="0"/>
-              </a:spcBef>
-              <a:spcAft>
-                <a:spcPts val="0"/>
-              </a:spcAft>
-              <a:buNone/>
-            </a:pPr>
-            <a:r>
-              <a:rPr lang="en" dirty="0"/>
-              <a:t>Conclusioni</a:t>
-            </a:r>
-            <a:endParaRPr dirty="0"/>
-          </a:p>
-        </p:txBody>
-      </p:sp>
-      <p:sp>
-        <p:nvSpPr>
-          <p:cNvPr id="1147" name="Google Shape;1147;p36"/>
-          <p:cNvSpPr txBox="1">
-            <a:spLocks noGrp="1"/>
-          </p:cNvSpPr>
-          <p:nvPr>
-            <p:ph type="subTitle" idx="1"/>
-          </p:nvPr>
-        </p:nvSpPr>
-        <p:spPr>
-          <a:xfrm>
-            <a:off x="1253225" y="2053700"/>
-            <a:ext cx="2811000" cy="1038600"/>
-          </a:xfrm>
-          <a:prstGeom prst="rect">
-            <a:avLst/>
-          </a:prstGeom>
-        </p:spPr>
-        <p:txBody>
-          <a:bodyPr spcFirstLastPara="1" wrap="square" lIns="91425" tIns="91425" rIns="91425" bIns="91425" anchor="t" anchorCtr="0">
-            <a:noAutofit/>
-          </a:bodyPr>
-          <a:lstStyle/>
-          <a:p>
-            <a:pPr marL="171450" lvl="0" indent="-171450" eaLnBrk="0" fontAlgn="base" hangingPunct="0">
-              <a:spcBef>
-                <a:spcPct val="0"/>
-              </a:spcBef>
-              <a:spcAft>
-                <a:spcPct val="0"/>
-              </a:spcAft>
-              <a:buClrTx/>
-              <a:buSzTx/>
-              <a:buFont typeface="Courier New" panose="02070309020205020404" pitchFamily="49" charset="0"/>
-              <a:buChar char="o"/>
-            </a:pPr>
-            <a:r>
-              <a:rPr lang="it-IT" altLang="it-IT" dirty="0">
-                <a:solidFill>
-                  <a:schemeClr val="tx1"/>
-                </a:solidFill>
-                <a:latin typeface="Arial" panose="020B0604020202020204" pitchFamily="34" charset="0"/>
-              </a:rPr>
-              <a:t>Più moderno ed elegante</a:t>
-            </a:r>
-          </a:p>
-          <a:p>
-            <a:pPr marL="171450" lvl="0" indent="-171450" eaLnBrk="0" fontAlgn="base" hangingPunct="0">
-              <a:spcBef>
-                <a:spcPct val="0"/>
-              </a:spcBef>
-              <a:spcAft>
-                <a:spcPct val="0"/>
-              </a:spcAft>
-              <a:buClrTx/>
-              <a:buSzTx/>
-              <a:buFont typeface="Courier New" panose="02070309020205020404" pitchFamily="49" charset="0"/>
-              <a:buChar char="o"/>
-            </a:pPr>
-            <a:r>
-              <a:rPr lang="it-IT" altLang="it-IT" dirty="0">
-                <a:solidFill>
-                  <a:schemeClr val="tx1"/>
-                </a:solidFill>
-                <a:latin typeface="Arial" panose="020B0604020202020204" pitchFamily="34" charset="0"/>
-              </a:rPr>
-              <a:t>Codice compatto e leggibile</a:t>
-            </a:r>
-          </a:p>
-          <a:p>
-            <a:pPr marL="171450" lvl="0" indent="-171450" eaLnBrk="0" fontAlgn="base" hangingPunct="0">
-              <a:spcBef>
-                <a:spcPct val="0"/>
-              </a:spcBef>
-              <a:spcAft>
-                <a:spcPct val="0"/>
-              </a:spcAft>
-              <a:buClrTx/>
-              <a:buSzTx/>
-              <a:buFont typeface="Courier New" panose="02070309020205020404" pitchFamily="49" charset="0"/>
-              <a:buChar char="o"/>
-            </a:pPr>
-            <a:r>
-              <a:rPr lang="it-IT" altLang="it-IT" dirty="0">
-                <a:solidFill>
-                  <a:schemeClr val="tx1"/>
-                </a:solidFill>
-                <a:latin typeface="Arial" panose="020B0604020202020204" pitchFamily="34" charset="0"/>
-              </a:rPr>
-              <a:t>Ideale per dimostrare uso di CSS </a:t>
-            </a:r>
-            <a:r>
-              <a:rPr lang="it-IT" altLang="it-IT" dirty="0" err="1">
-                <a:solidFill>
-                  <a:schemeClr val="tx1"/>
-                </a:solidFill>
-                <a:latin typeface="Arial" panose="020B0604020202020204" pitchFamily="34" charset="0"/>
-              </a:rPr>
-              <a:t>Grid</a:t>
-            </a:r>
-            <a:r>
-              <a:rPr lang="it-IT" altLang="it-IT" dirty="0">
-                <a:solidFill>
-                  <a:schemeClr val="tx1"/>
-                </a:solidFill>
-                <a:latin typeface="Arial" panose="020B0604020202020204" pitchFamily="34" charset="0"/>
-              </a:rPr>
-              <a:t> e strutture dati semplificate</a:t>
-            </a:r>
-          </a:p>
-        </p:txBody>
-      </p:sp>
-      <p:sp>
-        <p:nvSpPr>
-          <p:cNvPr id="1149" name="Google Shape;1149;p36"/>
-          <p:cNvSpPr txBox="1">
-            <a:spLocks noGrp="1"/>
-          </p:cNvSpPr>
-          <p:nvPr>
-            <p:ph type="subTitle" idx="3"/>
-          </p:nvPr>
-        </p:nvSpPr>
-        <p:spPr>
-          <a:xfrm>
-            <a:off x="2621107" y="3801961"/>
-            <a:ext cx="4508239" cy="1038600"/>
-          </a:xfrm>
-          <a:prstGeom prst="rect">
-            <a:avLst/>
-          </a:prstGeom>
-        </p:spPr>
-        <p:txBody>
-          <a:bodyPr spcFirstLastPara="1" wrap="square" lIns="91425" tIns="91425" rIns="91425" bIns="91425" anchor="t" anchorCtr="0">
-            <a:noAutofit/>
-          </a:bodyPr>
-          <a:lstStyle/>
-          <a:p>
-            <a:pPr>
-              <a:buFont typeface="Courier New" panose="02070309020205020404" pitchFamily="49" charset="0"/>
-              <a:buChar char="o"/>
-            </a:pPr>
-            <a:r>
-              <a:rPr lang="it-IT" b="1" dirty="0"/>
-              <a:t>AI privilegia semplicità e pulizia del codice</a:t>
-            </a:r>
-          </a:p>
-          <a:p>
-            <a:pPr>
-              <a:buFont typeface="Courier New" panose="02070309020205020404" pitchFamily="49" charset="0"/>
-              <a:buChar char="o"/>
-            </a:pPr>
-            <a:r>
-              <a:rPr lang="it-IT" b="1" dirty="0" err="1"/>
-              <a:t>Not_AI</a:t>
-            </a:r>
-            <a:r>
-              <a:rPr lang="it-IT" b="1" dirty="0"/>
-              <a:t> punta su completezza e flessibilità per l’utente</a:t>
-            </a:r>
-          </a:p>
-        </p:txBody>
-      </p:sp>
-      <p:sp>
-        <p:nvSpPr>
-          <p:cNvPr id="1151" name="Google Shape;1151;p36"/>
-          <p:cNvSpPr txBox="1">
-            <a:spLocks noGrp="1"/>
-          </p:cNvSpPr>
-          <p:nvPr>
-            <p:ph type="subTitle" idx="5"/>
-          </p:nvPr>
-        </p:nvSpPr>
-        <p:spPr>
-          <a:xfrm>
-            <a:off x="1253225" y="1363500"/>
-            <a:ext cx="2811000" cy="697800"/>
-          </a:xfrm>
-          <a:prstGeom prst="rect">
-            <a:avLst/>
-          </a:prstGeom>
-        </p:spPr>
-        <p:txBody>
-          <a:bodyPr spcFirstLastPara="1" wrap="square" lIns="91425" tIns="91425" rIns="91425" bIns="91425" anchor="b" anchorCtr="0">
-            <a:noAutofit/>
-          </a:bodyPr>
-          <a:lstStyle/>
-          <a:p>
-            <a:pPr marL="0" lvl="0" indent="0"/>
-            <a:r>
-              <a:rPr lang="it-IT" dirty="0"/>
-              <a:t>Progetto AI</a:t>
-            </a:r>
-            <a:endParaRPr dirty="0"/>
-          </a:p>
-        </p:txBody>
-      </p:sp>
-      <p:sp>
-        <p:nvSpPr>
-          <p:cNvPr id="1152" name="Google Shape;1152;p36"/>
-          <p:cNvSpPr txBox="1">
-            <a:spLocks noGrp="1"/>
-          </p:cNvSpPr>
-          <p:nvPr>
-            <p:ph type="subTitle" idx="7"/>
-          </p:nvPr>
-        </p:nvSpPr>
-        <p:spPr>
-          <a:xfrm>
-            <a:off x="5079750" y="1363500"/>
-            <a:ext cx="2811000" cy="697800"/>
-          </a:xfrm>
-          <a:prstGeom prst="rect">
-            <a:avLst/>
-          </a:prstGeom>
-        </p:spPr>
-        <p:txBody>
-          <a:bodyPr spcFirstLastPara="1" wrap="square" lIns="91425" tIns="91425" rIns="91425" bIns="91425" anchor="b" anchorCtr="0">
-            <a:noAutofit/>
-          </a:bodyPr>
-          <a:lstStyle/>
-          <a:p>
-            <a:pPr marL="0" lvl="0" indent="0"/>
-            <a:r>
-              <a:rPr lang="it-IT" dirty="0"/>
-              <a:t>Progetto non AI</a:t>
-            </a:r>
-            <a:endParaRPr dirty="0"/>
-          </a:p>
-        </p:txBody>
-      </p:sp>
-      <p:sp>
-        <p:nvSpPr>
-          <p:cNvPr id="3" name="Rectangle 2">
+      <p:graphicFrame>
+        <p:nvGraphicFramePr>
+          <p:cNvPr id="2" name="Tabella 1">
             <a:extLst>
               <a:ext uri="{FF2B5EF4-FFF2-40B4-BE49-F238E27FC236}">
-                <a16:creationId xmlns:a16="http://schemas.microsoft.com/office/drawing/2014/main" id="{65D7C70D-A9B8-E8C5-AD4B-AB6A43587D78}"/>
+                <a16:creationId xmlns:a16="http://schemas.microsoft.com/office/drawing/2014/main" id="{B0F2AD26-80D9-A0A2-C63D-4207BE20B7A0}"/>
               </a:ext>
             </a:extLst>
           </p:cNvPr>
-          <p:cNvSpPr>
-            <a:spLocks noGrp="1" noChangeArrowheads="1"/>
-          </p:cNvSpPr>
+          <p:cNvGraphicFramePr>
+            <a:graphicFrameLocks noGrp="1"/>
+          </p:cNvGraphicFramePr>
           <p:nvPr>
-            <p:ph type="subTitle" idx="2"/>
+            <p:extLst>
+              <p:ext uri="{D42A27DB-BD31-4B8C-83A1-F6EECF244321}">
+                <p14:modId xmlns:p14="http://schemas.microsoft.com/office/powerpoint/2010/main" val="1621614050"/>
+              </p:ext>
+            </p:extLst>
           </p:nvPr>
-        </p:nvSpPr>
-        <p:spPr bwMode="auto">
-          <a:xfrm>
-            <a:off x="5080000" y="2157839"/>
-            <a:ext cx="2986049" cy="830997"/>
-          </a:xfrm>
-          <a:prstGeom prst="rect">
-            <a:avLst/>
-          </a:prstGeom>
-          <a:noFill/>
-          <a:ln>
-            <a:noFill/>
-          </a:ln>
-          <a:effectLst/>
-          <a:extLst>
-            <a:ext uri="{909E8E84-426E-40DD-AFC4-6F175D3DCCD1}">
-              <a14:hiddenFill xmlns:a14="http://schemas.microsoft.com/office/drawing/2010/main">
-                <a:solidFill>
-                  <a:schemeClr val="accent1"/>
-                </a:solidFill>
-              </a14:hiddenFill>
-            </a:ext>
-            <a:ext uri="{91240B29-F687-4F45-9708-019B960494DF}">
-              <a14:hiddenLine xmlns:a14="http://schemas.microsoft.com/office/drawing/2010/main" w="9525">
-                <a:solidFill>
-                  <a:schemeClr val="tx1"/>
-                </a:solidFill>
-                <a:miter lim="800000"/>
-                <a:headEnd/>
-                <a:tailEnd/>
-              </a14:hiddenLine>
-            </a:ext>
-            <a:ext uri="{AF507438-7753-43E0-B8FC-AC1667EBCBE1}">
-              <a14:hiddenEffects xmlns:a14="http://schemas.microsoft.com/office/drawing/2010/main">
-                <a:effectLst>
-                  <a:outerShdw dist="35921" dir="2700000" algn="ctr" rotWithShape="0">
-                    <a:schemeClr val="bg2"/>
-                  </a:outerShdw>
-                </a:effectLst>
-              </a14:hiddenEffects>
-            </a:ext>
-          </a:extLst>
-        </p:spPr>
-        <p:txBody>
-          <a:bodyPr vert="horz" wrap="square" lIns="91440" tIns="45720" rIns="91440" bIns="45720" numCol="1" anchor="ctr" anchorCtr="0" compatLnSpc="1">
-            <a:prstTxWarp prst="textNoShape">
-              <a:avLst/>
-            </a:prstTxWarp>
-            <a:spAutoFit/>
-          </a:bodyPr>
-          <a:lstStyle/>
-          <a:p>
-            <a:pPr marL="171450" marR="0" lvl="0" indent="-171450" algn="l" defTabSz="914400" rtl="0" eaLnBrk="0" fontAlgn="base" latinLnBrk="0" hangingPunct="0">
-              <a:lnSpc>
-                <a:spcPct val="100000"/>
-              </a:lnSpc>
-              <a:spcBef>
-                <a:spcPct val="0"/>
-              </a:spcBef>
-              <a:spcAft>
-                <a:spcPct val="0"/>
-              </a:spcAft>
-              <a:buClrTx/>
-              <a:buSzTx/>
-              <a:buFont typeface="Courier New" panose="02070309020205020404" pitchFamily="49" charset="0"/>
-              <a:buChar char="o"/>
-              <a:tabLst/>
-            </a:pPr>
-            <a:r>
-              <a:rPr lang="it-IT" altLang="it-IT" dirty="0">
-                <a:solidFill>
-                  <a:schemeClr val="tx1"/>
-                </a:solidFill>
-                <a:latin typeface="Arial" panose="020B0604020202020204" pitchFamily="34" charset="0"/>
-              </a:rPr>
-              <a:t>Più ricco di funzionalità</a:t>
-            </a:r>
-          </a:p>
-          <a:p>
-            <a:pPr marL="171450" marR="0" lvl="0" indent="-171450" algn="l" defTabSz="914400" rtl="0" eaLnBrk="0" fontAlgn="base" latinLnBrk="0" hangingPunct="0">
-              <a:lnSpc>
-                <a:spcPct val="100000"/>
-              </a:lnSpc>
-              <a:spcBef>
-                <a:spcPct val="0"/>
-              </a:spcBef>
-              <a:spcAft>
-                <a:spcPct val="0"/>
-              </a:spcAft>
-              <a:buClrTx/>
-              <a:buSzTx/>
-              <a:buFont typeface="Courier New" panose="02070309020205020404" pitchFamily="49" charset="0"/>
-              <a:buChar char="o"/>
-              <a:tabLst/>
-            </a:pPr>
-            <a:r>
-              <a:rPr lang="it-IT" altLang="it-IT" dirty="0">
-                <a:solidFill>
-                  <a:schemeClr val="tx1"/>
-                </a:solidFill>
-                <a:latin typeface="Arial" panose="020B0604020202020204" pitchFamily="34" charset="0"/>
-              </a:rPr>
-              <a:t>Maggiore controllo sul flusso di gioco</a:t>
-            </a:r>
-          </a:p>
-          <a:p>
-            <a:pPr marL="171450" marR="0" lvl="0" indent="-171450" algn="l" defTabSz="914400" rtl="0" eaLnBrk="0" fontAlgn="base" latinLnBrk="0" hangingPunct="0">
-              <a:lnSpc>
-                <a:spcPct val="100000"/>
-              </a:lnSpc>
-              <a:spcBef>
-                <a:spcPct val="0"/>
-              </a:spcBef>
-              <a:spcAft>
-                <a:spcPct val="0"/>
-              </a:spcAft>
-              <a:buClrTx/>
-              <a:buSzTx/>
-              <a:buFont typeface="Courier New" panose="02070309020205020404" pitchFamily="49" charset="0"/>
-              <a:buChar char="o"/>
-              <a:tabLst/>
-            </a:pPr>
-            <a:r>
-              <a:rPr lang="it-IT" altLang="it-IT" dirty="0">
-                <a:solidFill>
-                  <a:schemeClr val="tx1"/>
-                </a:solidFill>
-                <a:latin typeface="Arial" panose="020B0604020202020204" pitchFamily="34" charset="0"/>
-              </a:rPr>
-              <a:t>Offre personalizzazione e strumenti di analisi post-partita</a:t>
-            </a:r>
-          </a:p>
-        </p:txBody>
-      </p:sp>
+        </p:nvGraphicFramePr>
+        <p:xfrm>
+          <a:off x="497963" y="1421026"/>
+          <a:ext cx="8148075" cy="3449233"/>
+        </p:xfrm>
+        <a:graphic>
+          <a:graphicData uri="http://schemas.openxmlformats.org/drawingml/2006/table">
+            <a:tbl>
+              <a:tblPr/>
+              <a:tblGrid>
+                <a:gridCol w="2716025">
+                  <a:extLst>
+                    <a:ext uri="{9D8B030D-6E8A-4147-A177-3AD203B41FA5}">
+                      <a16:colId xmlns:a16="http://schemas.microsoft.com/office/drawing/2014/main" val="2195209441"/>
+                    </a:ext>
+                  </a:extLst>
+                </a:gridCol>
+                <a:gridCol w="2716025">
+                  <a:extLst>
+                    <a:ext uri="{9D8B030D-6E8A-4147-A177-3AD203B41FA5}">
+                      <a16:colId xmlns:a16="http://schemas.microsoft.com/office/drawing/2014/main" val="2182882559"/>
+                    </a:ext>
+                  </a:extLst>
+                </a:gridCol>
+                <a:gridCol w="2716025">
+                  <a:extLst>
+                    <a:ext uri="{9D8B030D-6E8A-4147-A177-3AD203B41FA5}">
+                      <a16:colId xmlns:a16="http://schemas.microsoft.com/office/drawing/2014/main" val="4205684145"/>
+                    </a:ext>
+                  </a:extLst>
+                </a:gridCol>
+              </a:tblGrid>
+              <a:tr h="224390">
+                <a:tc>
+                  <a:txBody>
+                    <a:bodyPr/>
+                    <a:lstStyle/>
+                    <a:p>
+                      <a:pPr>
+                        <a:buNone/>
+                      </a:pPr>
+                      <a:endParaRPr lang="it-IT" sz="1200" dirty="0"/>
+                    </a:p>
+                  </a:txBody>
+                  <a:tcPr marL="75918" marR="75918" marT="37959" marB="37959" anchor="ctr">
+                    <a:lnL w="12700" cap="flat" cmpd="sng" algn="ctr">
+                      <a:noFill/>
+                      <a:prstDash val="sysDash"/>
+                      <a:round/>
+                      <a:headEnd type="none" w="med" len="med"/>
+                      <a:tailEnd type="none" w="med" len="med"/>
+                    </a:lnL>
+                    <a:lnR w="12700" cap="flat" cmpd="sng" algn="ctr">
+                      <a:solidFill>
+                        <a:schemeClr val="tx1"/>
+                      </a:solidFill>
+                      <a:prstDash val="sysDash"/>
+                      <a:round/>
+                      <a:headEnd type="none" w="med" len="med"/>
+                      <a:tailEnd type="none" w="med" len="med"/>
+                    </a:lnR>
+                    <a:lnT w="12700" cap="flat" cmpd="sng" algn="ctr">
+                      <a:noFill/>
+                      <a:prstDash val="sysDash"/>
+                      <a:round/>
+                      <a:headEnd type="none" w="med" len="med"/>
+                      <a:tailEnd type="none" w="med" len="med"/>
+                    </a:lnT>
+                    <a:lnB w="12700" cap="flat" cmpd="sng" algn="ctr">
+                      <a:solidFill>
+                        <a:schemeClr val="tx1"/>
+                      </a:solidFill>
+                      <a:prstDash val="sysDash"/>
+                      <a:round/>
+                      <a:headEnd type="none" w="med" len="med"/>
+                      <a:tailEnd type="none" w="med" len="med"/>
+                    </a:lnB>
+                    <a:lnTlToBr w="12700" cap="flat" cmpd="sng" algn="ctr">
+                      <a:noFill/>
+                      <a:prstDash val="sysDash"/>
+                      <a:round/>
+                      <a:headEnd type="none" w="med" len="med"/>
+                      <a:tailEnd type="none" w="med" len="med"/>
+                    </a:lnTlToBr>
+                    <a:lnBlToTr w="12700" cmpd="sng">
+                      <a:noFill/>
+                      <a:prstDash val="solid"/>
+                    </a:lnBlToTr>
+                    <a:noFill/>
+                  </a:tcPr>
+                </a:tc>
+                <a:tc>
+                  <a:txBody>
+                    <a:bodyPr/>
+                    <a:lstStyle/>
+                    <a:p>
+                      <a:pPr>
+                        <a:buNone/>
+                      </a:pPr>
+                      <a:r>
+                        <a:rPr lang="it-IT" sz="1200" dirty="0"/>
+                        <a:t>Vantaggi</a:t>
+                      </a:r>
+                    </a:p>
+                  </a:txBody>
+                  <a:tcPr marL="75918" marR="75918" marT="37959" marB="37959" anchor="ctr">
+                    <a:lnL w="12700" cap="flat" cmpd="sng" algn="ctr">
+                      <a:solidFill>
+                        <a:schemeClr val="tx1"/>
+                      </a:solidFill>
+                      <a:prstDash val="sysDash"/>
+                      <a:round/>
+                      <a:headEnd type="none" w="med" len="med"/>
+                      <a:tailEnd type="none" w="med" len="med"/>
+                    </a:lnL>
+                    <a:lnR w="12700" cap="flat" cmpd="sng" algn="ctr">
+                      <a:solidFill>
+                        <a:schemeClr val="tx1"/>
+                      </a:solidFill>
+                      <a:prstDash val="sysDash"/>
+                      <a:round/>
+                      <a:headEnd type="none" w="med" len="med"/>
+                      <a:tailEnd type="none" w="med" len="med"/>
+                    </a:lnR>
+                    <a:lnT w="12700" cap="flat" cmpd="sng" algn="ctr">
+                      <a:solidFill>
+                        <a:schemeClr val="tx1"/>
+                      </a:solidFill>
+                      <a:prstDash val="sysDash"/>
+                      <a:round/>
+                      <a:headEnd type="none" w="med" len="med"/>
+                      <a:tailEnd type="none" w="med" len="med"/>
+                    </a:lnT>
+                    <a:lnB w="12700" cap="flat" cmpd="sng" algn="ctr">
+                      <a:solidFill>
+                        <a:schemeClr val="tx1"/>
+                      </a:solidFill>
+                      <a:prstDash val="sysDash"/>
+                      <a:round/>
+                      <a:headEnd type="none" w="med" len="med"/>
+                      <a:tailEnd type="none" w="med" len="med"/>
+                    </a:lnB>
+                    <a:noFill/>
+                  </a:tcPr>
+                </a:tc>
+                <a:tc>
+                  <a:txBody>
+                    <a:bodyPr/>
+                    <a:lstStyle/>
+                    <a:p>
+                      <a:pPr>
+                        <a:buNone/>
+                      </a:pPr>
+                      <a:r>
+                        <a:rPr lang="it-IT" sz="1200" dirty="0"/>
+                        <a:t>Svantaggi</a:t>
+                      </a:r>
+                    </a:p>
+                  </a:txBody>
+                  <a:tcPr marL="75918" marR="75918" marT="37959" marB="37959" anchor="ctr">
+                    <a:lnL w="12700" cap="flat" cmpd="sng" algn="ctr">
+                      <a:solidFill>
+                        <a:schemeClr val="tx1"/>
+                      </a:solidFill>
+                      <a:prstDash val="sysDash"/>
+                      <a:round/>
+                      <a:headEnd type="none" w="med" len="med"/>
+                      <a:tailEnd type="none" w="med" len="med"/>
+                    </a:lnL>
+                    <a:lnR w="12700" cap="flat" cmpd="sng" algn="ctr">
+                      <a:solidFill>
+                        <a:schemeClr val="tx1"/>
+                      </a:solidFill>
+                      <a:prstDash val="sysDash"/>
+                      <a:round/>
+                      <a:headEnd type="none" w="med" len="med"/>
+                      <a:tailEnd type="none" w="med" len="med"/>
+                    </a:lnR>
+                    <a:lnT w="12700" cap="flat" cmpd="sng" algn="ctr">
+                      <a:solidFill>
+                        <a:schemeClr val="tx1"/>
+                      </a:solidFill>
+                      <a:prstDash val="sysDash"/>
+                      <a:round/>
+                      <a:headEnd type="none" w="med" len="med"/>
+                      <a:tailEnd type="none" w="med" len="med"/>
+                    </a:lnT>
+                    <a:lnB w="12700" cap="flat" cmpd="sng" algn="ctr">
+                      <a:solidFill>
+                        <a:schemeClr val="tx1"/>
+                      </a:solidFill>
+                      <a:prstDash val="sysDash"/>
+                      <a:round/>
+                      <a:headEnd type="none" w="med" len="med"/>
+                      <a:tailEnd type="none" w="med" len="med"/>
+                    </a:lnB>
+                    <a:noFill/>
+                  </a:tcPr>
+                </a:tc>
+                <a:extLst>
+                  <a:ext uri="{0D108BD9-81ED-4DB2-BD59-A6C34878D82A}">
+                    <a16:rowId xmlns:a16="http://schemas.microsoft.com/office/drawing/2014/main" val="364662555"/>
+                  </a:ext>
+                </a:extLst>
+              </a:tr>
+              <a:tr h="1651477">
+                <a:tc>
+                  <a:txBody>
+                    <a:bodyPr/>
+                    <a:lstStyle/>
+                    <a:p>
+                      <a:pPr>
+                        <a:buNone/>
+                      </a:pPr>
+                      <a:r>
+                        <a:rPr lang="it-IT" sz="1200" b="1" dirty="0"/>
+                        <a:t>Sviluppo manuale</a:t>
+                      </a:r>
+                      <a:endParaRPr lang="it-IT" sz="1200" dirty="0"/>
+                    </a:p>
+                  </a:txBody>
+                  <a:tcPr marL="75918" marR="75918" marT="37959" marB="37959" anchor="ctr">
+                    <a:lnL w="12700" cap="flat" cmpd="sng" algn="ctr">
+                      <a:solidFill>
+                        <a:schemeClr val="tx1"/>
+                      </a:solidFill>
+                      <a:prstDash val="sysDash"/>
+                      <a:round/>
+                      <a:headEnd type="none" w="med" len="med"/>
+                      <a:tailEnd type="none" w="med" len="med"/>
+                    </a:lnL>
+                    <a:lnR w="12700" cap="flat" cmpd="sng" algn="ctr">
+                      <a:solidFill>
+                        <a:schemeClr val="tx1"/>
+                      </a:solidFill>
+                      <a:prstDash val="sysDash"/>
+                      <a:round/>
+                      <a:headEnd type="none" w="med" len="med"/>
+                      <a:tailEnd type="none" w="med" len="med"/>
+                    </a:lnR>
+                    <a:lnT w="12700" cap="flat" cmpd="sng" algn="ctr">
+                      <a:solidFill>
+                        <a:schemeClr val="tx1"/>
+                      </a:solidFill>
+                      <a:prstDash val="sysDash"/>
+                      <a:round/>
+                      <a:headEnd type="none" w="med" len="med"/>
+                      <a:tailEnd type="none" w="med" len="med"/>
+                    </a:lnT>
+                    <a:lnB w="12700" cap="flat" cmpd="sng" algn="ctr">
+                      <a:solidFill>
+                        <a:schemeClr val="tx1"/>
+                      </a:solidFill>
+                      <a:prstDash val="sysDash"/>
+                      <a:round/>
+                      <a:headEnd type="none" w="med" len="med"/>
+                      <a:tailEnd type="none" w="med" len="med"/>
+                    </a:lnB>
+                    <a:lnTlToBr w="12700" cmpd="sng">
+                      <a:noFill/>
+                      <a:prstDash val="solid"/>
+                    </a:lnTlToBr>
+                    <a:lnBlToTr w="12700" cmpd="sng">
+                      <a:noFill/>
+                      <a:prstDash val="solid"/>
+                    </a:lnBlToTr>
+                    <a:solidFill>
+                      <a:srgbClr val="DADADA"/>
+                    </a:solidFill>
+                  </a:tcPr>
+                </a:tc>
+                <a:tc>
+                  <a:txBody>
+                    <a:bodyPr/>
+                    <a:lstStyle/>
+                    <a:p>
+                      <a:pPr marL="171450" indent="-171450">
+                        <a:buFont typeface="Courier New" panose="02070309020205020404" pitchFamily="49" charset="0"/>
+                        <a:buChar char="o"/>
+                      </a:pPr>
+                      <a:r>
+                        <a:rPr lang="it-IT" sz="1200" dirty="0">
+                          <a:solidFill>
+                            <a:schemeClr val="bg1">
+                              <a:lumMod val="10000"/>
+                            </a:schemeClr>
+                          </a:solidFill>
+                        </a:rPr>
+                        <a:t>Comprensione profonda del funzionamento del programma</a:t>
+                      </a:r>
+                    </a:p>
+                    <a:p>
+                      <a:pPr marL="171450" indent="-171450">
+                        <a:buFont typeface="Courier New" panose="02070309020205020404" pitchFamily="49" charset="0"/>
+                        <a:buChar char="o"/>
+                      </a:pPr>
+                      <a:r>
+                        <a:rPr lang="it-IT" sz="1200" dirty="0">
+                          <a:solidFill>
+                            <a:schemeClr val="bg1">
+                              <a:lumMod val="10000"/>
+                            </a:schemeClr>
+                          </a:solidFill>
+                        </a:rPr>
+                        <a:t>Migliora il ragionamento logico</a:t>
+                      </a:r>
+                    </a:p>
+                    <a:p>
+                      <a:pPr marL="171450" indent="-171450">
+                        <a:buFont typeface="Courier New" panose="02070309020205020404" pitchFamily="49" charset="0"/>
+                        <a:buChar char="o"/>
+                      </a:pPr>
+                      <a:r>
+                        <a:rPr lang="it-IT" sz="1200" dirty="0">
+                          <a:solidFill>
+                            <a:schemeClr val="bg1">
+                              <a:lumMod val="10000"/>
+                            </a:schemeClr>
+                          </a:solidFill>
+                        </a:rPr>
+                        <a:t>Aiuta a organizzare meglio il codice</a:t>
+                      </a:r>
+                    </a:p>
+                    <a:p>
+                      <a:pPr marL="171450" indent="-171450">
+                        <a:buFont typeface="Courier New" panose="02070309020205020404" pitchFamily="49" charset="0"/>
+                        <a:buChar char="o"/>
+                      </a:pPr>
+                      <a:r>
+                        <a:rPr lang="it-IT" sz="1200" dirty="0">
+                          <a:solidFill>
+                            <a:schemeClr val="bg1">
+                              <a:lumMod val="10000"/>
+                            </a:schemeClr>
+                          </a:solidFill>
+                        </a:rPr>
+                        <a:t>Rafforza l’apprendimento della programmazione</a:t>
+                      </a:r>
+                    </a:p>
+                    <a:p>
+                      <a:pPr marL="171450" indent="-171450">
+                        <a:buFont typeface="Courier New" panose="02070309020205020404" pitchFamily="49" charset="0"/>
+                        <a:buChar char="o"/>
+                      </a:pPr>
+                      <a:r>
+                        <a:rPr lang="it-IT" sz="1200" dirty="0">
+                          <a:solidFill>
+                            <a:schemeClr val="bg1">
+                              <a:lumMod val="10000"/>
+                            </a:schemeClr>
+                          </a:solidFill>
+                        </a:rPr>
+                        <a:t>Codice originale scritto dallo studente</a:t>
+                      </a:r>
+                    </a:p>
+                  </a:txBody>
+                  <a:tcPr marL="75918" marR="75918" marT="37959" marB="37959" anchor="ctr">
+                    <a:lnL w="12700" cap="flat" cmpd="sng" algn="ctr">
+                      <a:solidFill>
+                        <a:schemeClr val="tx1"/>
+                      </a:solidFill>
+                      <a:prstDash val="sysDash"/>
+                      <a:round/>
+                      <a:headEnd type="none" w="med" len="med"/>
+                      <a:tailEnd type="none" w="med" len="med"/>
+                    </a:lnL>
+                    <a:lnR w="12700" cap="flat" cmpd="sng" algn="ctr">
+                      <a:solidFill>
+                        <a:schemeClr val="tx1"/>
+                      </a:solidFill>
+                      <a:prstDash val="sysDash"/>
+                      <a:round/>
+                      <a:headEnd type="none" w="med" len="med"/>
+                      <a:tailEnd type="none" w="med" len="med"/>
+                    </a:lnR>
+                    <a:lnT w="12700" cap="flat" cmpd="sng" algn="ctr">
+                      <a:solidFill>
+                        <a:schemeClr val="tx1"/>
+                      </a:solidFill>
+                      <a:prstDash val="sysDash"/>
+                      <a:round/>
+                      <a:headEnd type="none" w="med" len="med"/>
+                      <a:tailEnd type="none" w="med" len="med"/>
+                    </a:lnT>
+                    <a:lnB w="12700" cap="flat" cmpd="sng" algn="ctr">
+                      <a:solidFill>
+                        <a:schemeClr val="tx1"/>
+                      </a:solidFill>
+                      <a:prstDash val="sysDash"/>
+                      <a:round/>
+                      <a:headEnd type="none" w="med" len="med"/>
+                      <a:tailEnd type="none" w="med" len="med"/>
+                    </a:lnB>
+                    <a:solidFill>
+                      <a:srgbClr val="DADADA"/>
+                    </a:solidFill>
+                  </a:tcPr>
+                </a:tc>
+                <a:tc>
+                  <a:txBody>
+                    <a:bodyPr/>
+                    <a:lstStyle/>
+                    <a:p>
+                      <a:pPr marL="171450" indent="-171450">
+                        <a:buFont typeface="Courier New" panose="02070309020205020404" pitchFamily="49" charset="0"/>
+                        <a:buChar char="o"/>
+                      </a:pPr>
+                      <a:r>
+                        <a:rPr lang="it-IT" sz="1200" dirty="0">
+                          <a:solidFill>
+                            <a:schemeClr val="bg1">
+                              <a:lumMod val="10000"/>
+                            </a:schemeClr>
+                          </a:solidFill>
+                        </a:rPr>
+                        <a:t>Richiede molto tempo rispetto a quello fatto con l’aiuto dell’AI</a:t>
+                      </a:r>
+                    </a:p>
+                    <a:p>
+                      <a:pPr marL="171450" indent="-171450">
+                        <a:buFont typeface="Courier New" panose="02070309020205020404" pitchFamily="49" charset="0"/>
+                        <a:buChar char="o"/>
+                      </a:pPr>
+                      <a:r>
+                        <a:rPr lang="it-IT" sz="1200" dirty="0">
+                          <a:solidFill>
+                            <a:schemeClr val="bg1">
+                              <a:lumMod val="10000"/>
+                            </a:schemeClr>
+                          </a:solidFill>
+                        </a:rPr>
+                        <a:t>Facile bloccarsi su errori complessi</a:t>
+                      </a:r>
+                    </a:p>
+                    <a:p>
+                      <a:pPr marL="171450" indent="-171450">
+                        <a:buFont typeface="Courier New" panose="02070309020205020404" pitchFamily="49" charset="0"/>
+                        <a:buChar char="o"/>
+                      </a:pPr>
+                      <a:r>
+                        <a:rPr lang="it-IT" sz="1200" dirty="0">
+                          <a:solidFill>
+                            <a:schemeClr val="bg1">
+                              <a:lumMod val="10000"/>
+                            </a:schemeClr>
+                          </a:solidFill>
+                        </a:rPr>
+                        <a:t>Necessita di una buona preparazione iniziale</a:t>
+                      </a:r>
+                    </a:p>
+                    <a:p>
+                      <a:pPr marL="171450" indent="-171450">
+                        <a:buFont typeface="Courier New" panose="02070309020205020404" pitchFamily="49" charset="0"/>
+                        <a:buChar char="o"/>
+                      </a:pPr>
+                      <a:r>
+                        <a:rPr lang="it-IT" sz="1200" dirty="0">
+                          <a:solidFill>
+                            <a:schemeClr val="bg1">
+                              <a:lumMod val="10000"/>
+                            </a:schemeClr>
+                          </a:solidFill>
+                        </a:rPr>
+                        <a:t>Debugging lungo e complicato</a:t>
+                      </a:r>
+                    </a:p>
+                  </a:txBody>
+                  <a:tcPr marL="75918" marR="75918" marT="37959" marB="37959" anchor="ctr">
+                    <a:lnL w="12700" cap="flat" cmpd="sng" algn="ctr">
+                      <a:solidFill>
+                        <a:schemeClr val="tx1"/>
+                      </a:solidFill>
+                      <a:prstDash val="sysDash"/>
+                      <a:round/>
+                      <a:headEnd type="none" w="med" len="med"/>
+                      <a:tailEnd type="none" w="med" len="med"/>
+                    </a:lnL>
+                    <a:lnR w="12700" cap="flat" cmpd="sng" algn="ctr">
+                      <a:solidFill>
+                        <a:schemeClr val="tx1"/>
+                      </a:solidFill>
+                      <a:prstDash val="sysDash"/>
+                      <a:round/>
+                      <a:headEnd type="none" w="med" len="med"/>
+                      <a:tailEnd type="none" w="med" len="med"/>
+                    </a:lnR>
+                    <a:lnT w="12700" cap="flat" cmpd="sng" algn="ctr">
+                      <a:solidFill>
+                        <a:schemeClr val="tx1"/>
+                      </a:solidFill>
+                      <a:prstDash val="sysDash"/>
+                      <a:round/>
+                      <a:headEnd type="none" w="med" len="med"/>
+                      <a:tailEnd type="none" w="med" len="med"/>
+                    </a:lnT>
+                    <a:lnB w="12700" cap="flat" cmpd="sng" algn="ctr">
+                      <a:solidFill>
+                        <a:schemeClr val="tx1"/>
+                      </a:solidFill>
+                      <a:prstDash val="sysDash"/>
+                      <a:round/>
+                      <a:headEnd type="none" w="med" len="med"/>
+                      <a:tailEnd type="none" w="med" len="med"/>
+                    </a:lnB>
+                    <a:solidFill>
+                      <a:srgbClr val="DADADA"/>
+                    </a:solidFill>
+                  </a:tcPr>
+                </a:tc>
+                <a:extLst>
+                  <a:ext uri="{0D108BD9-81ED-4DB2-BD59-A6C34878D82A}">
+                    <a16:rowId xmlns:a16="http://schemas.microsoft.com/office/drawing/2014/main" val="1773837398"/>
+                  </a:ext>
+                </a:extLst>
+              </a:tr>
+              <a:tr h="1173792">
+                <a:tc>
+                  <a:txBody>
+                    <a:bodyPr/>
+                    <a:lstStyle/>
+                    <a:p>
+                      <a:pPr>
+                        <a:buNone/>
+                      </a:pPr>
+                      <a:r>
+                        <a:rPr lang="it-IT" sz="1200" b="1" dirty="0"/>
+                        <a:t>Uso dell’Intelligenza Artificiale</a:t>
+                      </a:r>
+                      <a:endParaRPr lang="it-IT" sz="1200" dirty="0"/>
+                    </a:p>
+                  </a:txBody>
+                  <a:tcPr marL="75918" marR="75918" marT="37959" marB="37959" anchor="ctr">
+                    <a:lnL w="12700" cap="flat" cmpd="sng" algn="ctr">
+                      <a:solidFill>
+                        <a:schemeClr val="tx1"/>
+                      </a:solidFill>
+                      <a:prstDash val="sysDash"/>
+                      <a:round/>
+                      <a:headEnd type="none" w="med" len="med"/>
+                      <a:tailEnd type="none" w="med" len="med"/>
+                    </a:lnL>
+                    <a:lnR w="12700" cap="flat" cmpd="sng" algn="ctr">
+                      <a:solidFill>
+                        <a:schemeClr val="tx1"/>
+                      </a:solidFill>
+                      <a:prstDash val="sysDash"/>
+                      <a:round/>
+                      <a:headEnd type="none" w="med" len="med"/>
+                      <a:tailEnd type="none" w="med" len="med"/>
+                    </a:lnR>
+                    <a:lnT w="12700" cap="flat" cmpd="sng" algn="ctr">
+                      <a:solidFill>
+                        <a:schemeClr val="tx1"/>
+                      </a:solidFill>
+                      <a:prstDash val="sysDash"/>
+                      <a:round/>
+                      <a:headEnd type="none" w="med" len="med"/>
+                      <a:tailEnd type="none" w="med" len="med"/>
+                    </a:lnT>
+                    <a:lnB w="12700" cap="flat" cmpd="sng" algn="ctr">
+                      <a:solidFill>
+                        <a:schemeClr val="tx1"/>
+                      </a:solidFill>
+                      <a:prstDash val="sysDash"/>
+                      <a:round/>
+                      <a:headEnd type="none" w="med" len="med"/>
+                      <a:tailEnd type="none" w="med" len="med"/>
+                    </a:lnB>
+                    <a:noFill/>
+                  </a:tcPr>
+                </a:tc>
+                <a:tc>
+                  <a:txBody>
+                    <a:bodyPr/>
+                    <a:lstStyle/>
+                    <a:p>
+                      <a:pPr marL="171450" indent="-171450">
+                        <a:buFont typeface="Courier New" panose="02070309020205020404" pitchFamily="49" charset="0"/>
+                        <a:buChar char="o"/>
+                      </a:pPr>
+                      <a:r>
+                        <a:rPr lang="it-IT" sz="1200" dirty="0">
+                          <a:solidFill>
+                            <a:schemeClr val="bg1">
+                              <a:lumMod val="10000"/>
+                            </a:schemeClr>
+                          </a:solidFill>
+                        </a:rPr>
+                        <a:t>Riduce i tempi di sviluppo</a:t>
+                      </a:r>
+                    </a:p>
+                    <a:p>
+                      <a:pPr marL="171450" indent="-171450">
+                        <a:buFont typeface="Courier New" panose="02070309020205020404" pitchFamily="49" charset="0"/>
+                        <a:buChar char="o"/>
+                      </a:pPr>
+                      <a:r>
+                        <a:rPr lang="it-IT" sz="1200" dirty="0">
+                          <a:solidFill>
+                            <a:schemeClr val="bg1">
+                              <a:lumMod val="10000"/>
+                            </a:schemeClr>
+                          </a:solidFill>
+                        </a:rPr>
+                        <a:t>Aiuta a trovare e correggere errori</a:t>
+                      </a:r>
+                    </a:p>
+                    <a:p>
+                      <a:pPr marL="171450" indent="-171450">
+                        <a:buFont typeface="Courier New" panose="02070309020205020404" pitchFamily="49" charset="0"/>
+                        <a:buChar char="o"/>
+                      </a:pPr>
+                      <a:r>
+                        <a:rPr lang="it-IT" sz="1200" dirty="0">
+                          <a:solidFill>
+                            <a:schemeClr val="bg1">
+                              <a:lumMod val="10000"/>
+                            </a:schemeClr>
+                          </a:solidFill>
+                        </a:rPr>
+                        <a:t>Migliora e semplifica il codice</a:t>
+                      </a:r>
+                    </a:p>
+                    <a:p>
+                      <a:pPr marL="171450" indent="-171450">
+                        <a:buFont typeface="Courier New" panose="02070309020205020404" pitchFamily="49" charset="0"/>
+                        <a:buChar char="o"/>
+                      </a:pPr>
+                      <a:r>
+                        <a:rPr lang="it-IT" sz="1200" dirty="0">
+                          <a:solidFill>
+                            <a:schemeClr val="bg1">
+                              <a:lumMod val="10000"/>
+                            </a:schemeClr>
+                          </a:solidFill>
+                        </a:rPr>
+                        <a:t>Supporta la scrittura di parti complesse</a:t>
+                      </a:r>
+                    </a:p>
+                    <a:p>
+                      <a:pPr marL="171450" indent="-171450">
+                        <a:buFont typeface="Courier New" panose="02070309020205020404" pitchFamily="49" charset="0"/>
+                        <a:buChar char="o"/>
+                      </a:pPr>
+                      <a:r>
+                        <a:rPr lang="it-IT" sz="1200" dirty="0">
+                          <a:solidFill>
+                            <a:schemeClr val="bg1">
+                              <a:lumMod val="10000"/>
+                            </a:schemeClr>
+                          </a:solidFill>
+                        </a:rPr>
+                        <a:t>Utile come assistente, tutor e supporto allo studio</a:t>
+                      </a:r>
+                    </a:p>
+                  </a:txBody>
+                  <a:tcPr marL="75918" marR="75918" marT="37959" marB="37959" anchor="ctr">
+                    <a:lnL w="12700" cap="flat" cmpd="sng" algn="ctr">
+                      <a:solidFill>
+                        <a:schemeClr val="tx1"/>
+                      </a:solidFill>
+                      <a:prstDash val="sysDash"/>
+                      <a:round/>
+                      <a:headEnd type="none" w="med" len="med"/>
+                      <a:tailEnd type="none" w="med" len="med"/>
+                    </a:lnL>
+                    <a:lnR w="12700" cap="flat" cmpd="sng" algn="ctr">
+                      <a:solidFill>
+                        <a:schemeClr val="tx1"/>
+                      </a:solidFill>
+                      <a:prstDash val="sysDash"/>
+                      <a:round/>
+                      <a:headEnd type="none" w="med" len="med"/>
+                      <a:tailEnd type="none" w="med" len="med"/>
+                    </a:lnR>
+                    <a:lnT w="12700" cap="flat" cmpd="sng" algn="ctr">
+                      <a:solidFill>
+                        <a:schemeClr val="tx1"/>
+                      </a:solidFill>
+                      <a:prstDash val="sysDash"/>
+                      <a:round/>
+                      <a:headEnd type="none" w="med" len="med"/>
+                      <a:tailEnd type="none" w="med" len="med"/>
+                    </a:lnT>
+                    <a:lnB w="12700" cap="flat" cmpd="sng" algn="ctr">
+                      <a:solidFill>
+                        <a:schemeClr val="tx1"/>
+                      </a:solidFill>
+                      <a:prstDash val="sysDash"/>
+                      <a:round/>
+                      <a:headEnd type="none" w="med" len="med"/>
+                      <a:tailEnd type="none" w="med" len="med"/>
+                    </a:lnB>
+                    <a:noFill/>
+                  </a:tcPr>
+                </a:tc>
+                <a:tc>
+                  <a:txBody>
+                    <a:bodyPr/>
+                    <a:lstStyle/>
+                    <a:p>
+                      <a:pPr marL="171450" indent="-171450">
+                        <a:buFont typeface="Courier New" panose="02070309020205020404" pitchFamily="49" charset="0"/>
+                        <a:buChar char="o"/>
+                      </a:pPr>
+                      <a:r>
+                        <a:rPr lang="it-IT" sz="1200" dirty="0">
+                          <a:solidFill>
+                            <a:schemeClr val="bg1">
+                              <a:lumMod val="10000"/>
+                            </a:schemeClr>
+                          </a:solidFill>
+                        </a:rPr>
+                        <a:t>Rischio di non comprendere realmente il codice</a:t>
+                      </a:r>
+                    </a:p>
+                    <a:p>
+                      <a:pPr marL="171450" indent="-171450">
+                        <a:buFont typeface="Courier New" panose="02070309020205020404" pitchFamily="49" charset="0"/>
+                        <a:buChar char="o"/>
+                      </a:pPr>
+                      <a:r>
+                        <a:rPr lang="it-IT" sz="1200" dirty="0">
+                          <a:solidFill>
+                            <a:schemeClr val="bg1">
+                              <a:lumMod val="10000"/>
+                            </a:schemeClr>
+                          </a:solidFill>
+                        </a:rPr>
+                        <a:t>Possibile uso di soluzioni non spiegabili</a:t>
+                      </a:r>
+                    </a:p>
+                    <a:p>
+                      <a:pPr marL="171450" indent="-171450">
+                        <a:buFont typeface="Courier New" panose="02070309020205020404" pitchFamily="49" charset="0"/>
+                        <a:buChar char="o"/>
+                      </a:pPr>
+                      <a:r>
+                        <a:rPr lang="it-IT" sz="1200" dirty="0">
+                          <a:solidFill>
+                            <a:schemeClr val="bg1">
+                              <a:lumMod val="10000"/>
+                            </a:schemeClr>
+                          </a:solidFill>
+                        </a:rPr>
+                        <a:t>Difficoltà nel verificare la correttezza senza basi </a:t>
+                      </a:r>
+                      <a:r>
+                        <a:rPr lang="it-IT" sz="1200" dirty="0" err="1">
+                          <a:solidFill>
+                            <a:schemeClr val="bg1">
+                              <a:lumMod val="10000"/>
+                            </a:schemeClr>
+                          </a:solidFill>
+                        </a:rPr>
+                        <a:t>solidePossibile</a:t>
+                      </a:r>
+                      <a:r>
+                        <a:rPr lang="it-IT" sz="1200" dirty="0">
+                          <a:solidFill>
+                            <a:schemeClr val="bg1">
+                              <a:lumMod val="10000"/>
+                            </a:schemeClr>
+                          </a:solidFill>
+                        </a:rPr>
+                        <a:t> generazione di codice non ottimizzato</a:t>
+                      </a:r>
+                    </a:p>
+                  </a:txBody>
+                  <a:tcPr marL="75918" marR="75918" marT="37959" marB="37959" anchor="ctr">
+                    <a:lnL w="12700" cap="flat" cmpd="sng" algn="ctr">
+                      <a:solidFill>
+                        <a:schemeClr val="tx1"/>
+                      </a:solidFill>
+                      <a:prstDash val="sysDash"/>
+                      <a:round/>
+                      <a:headEnd type="none" w="med" len="med"/>
+                      <a:tailEnd type="none" w="med" len="med"/>
+                    </a:lnL>
+                    <a:lnR w="12700" cap="flat" cmpd="sng" algn="ctr">
+                      <a:solidFill>
+                        <a:schemeClr val="tx1"/>
+                      </a:solidFill>
+                      <a:prstDash val="sysDash"/>
+                      <a:round/>
+                      <a:headEnd type="none" w="med" len="med"/>
+                      <a:tailEnd type="none" w="med" len="med"/>
+                    </a:lnR>
+                    <a:lnT w="12700" cap="flat" cmpd="sng" algn="ctr">
+                      <a:solidFill>
+                        <a:schemeClr val="tx1"/>
+                      </a:solidFill>
+                      <a:prstDash val="sysDash"/>
+                      <a:round/>
+                      <a:headEnd type="none" w="med" len="med"/>
+                      <a:tailEnd type="none" w="med" len="med"/>
+                    </a:lnT>
+                    <a:lnB w="12700" cap="flat" cmpd="sng" algn="ctr">
+                      <a:solidFill>
+                        <a:schemeClr val="tx1"/>
+                      </a:solidFill>
+                      <a:prstDash val="sysDash"/>
+                      <a:round/>
+                      <a:headEnd type="none" w="med" len="med"/>
+                      <a:tailEnd type="none" w="med" len="med"/>
+                    </a:lnB>
+                    <a:noFill/>
+                  </a:tcPr>
+                </a:tc>
+                <a:extLst>
+                  <a:ext uri="{0D108BD9-81ED-4DB2-BD59-A6C34878D82A}">
+                    <a16:rowId xmlns:a16="http://schemas.microsoft.com/office/drawing/2014/main" val="143405930"/>
+                  </a:ext>
+                </a:extLst>
+              </a:tr>
+            </a:tbl>
+          </a:graphicData>
+        </a:graphic>
+      </p:graphicFrame>
     </p:spTree>
+    <p:extLst>
+      <p:ext uri="{BB962C8B-B14F-4D97-AF65-F5344CB8AC3E}">
+        <p14:creationId xmlns:p14="http://schemas.microsoft.com/office/powerpoint/2010/main" val="44303795"/>
+      </p:ext>
+    </p:extLst>
   </p:cSld>
   <p:clrMapOvr>
     <a:masterClrMapping/>
